--- a/Oral_Review_Presentation_Lee_Xerri.pptx
+++ b/Oral_Review_Presentation_Lee_Xerri.pptx
@@ -7,11 +7,13 @@
   <p:sldIdLst>
     <p:sldId id="256" r:id="rId2"/>
     <p:sldId id="257" r:id="rId3"/>
-    <p:sldId id="258" r:id="rId4"/>
-    <p:sldId id="259" r:id="rId5"/>
-    <p:sldId id="260" r:id="rId6"/>
-    <p:sldId id="261" r:id="rId7"/>
-    <p:sldId id="262" r:id="rId8"/>
+    <p:sldId id="263" r:id="rId4"/>
+    <p:sldId id="258" r:id="rId5"/>
+    <p:sldId id="259" r:id="rId6"/>
+    <p:sldId id="260" r:id="rId7"/>
+    <p:sldId id="264" r:id="rId8"/>
+    <p:sldId id="261" r:id="rId9"/>
+    <p:sldId id="262" r:id="rId10"/>
   </p:sldIdLst>
   <p:sldSz cx="9144000" cy="6858000" type="screen4x3"/>
   <p:notesSz cx="6858000" cy="9144000"/>
@@ -268,7 +270,7 @@
           <a:p>
             <a:fld id="{5BCAD085-E8A6-8845-BD4E-CB4CCA059FC4}" type="datetimeFigureOut">
               <a:rPr lang="en-US" smtClean="0"/>
-              <a:t>5/17/2025</a:t>
+              <a:t>5/22/2025</a:t>
             </a:fld>
             <a:endParaRPr lang="en-US"/>
           </a:p>
@@ -510,7 +512,7 @@
           <a:p>
             <a:fld id="{5BCAD085-E8A6-8845-BD4E-CB4CCA059FC4}" type="datetimeFigureOut">
               <a:rPr lang="en-US" smtClean="0"/>
-              <a:t>5/17/2025</a:t>
+              <a:t>5/22/2025</a:t>
             </a:fld>
             <a:endParaRPr lang="en-US"/>
           </a:p>
@@ -694,7 +696,7 @@
           <a:p>
             <a:fld id="{5BCAD085-E8A6-8845-BD4E-CB4CCA059FC4}" type="datetimeFigureOut">
               <a:rPr lang="en-US" smtClean="0"/>
-              <a:t>5/17/2025</a:t>
+              <a:t>5/22/2025</a:t>
             </a:fld>
             <a:endParaRPr lang="en-US"/>
           </a:p>
@@ -895,7 +897,7 @@
           <a:p>
             <a:fld id="{5BCAD085-E8A6-8845-BD4E-CB4CCA059FC4}" type="datetimeFigureOut">
               <a:rPr lang="en-US" smtClean="0"/>
-              <a:t>5/17/2025</a:t>
+              <a:t>5/22/2025</a:t>
             </a:fld>
             <a:endParaRPr lang="en-US"/>
           </a:p>
@@ -1174,7 +1176,7 @@
           <a:p>
             <a:fld id="{5BCAD085-E8A6-8845-BD4E-CB4CCA059FC4}" type="datetimeFigureOut">
               <a:rPr lang="en-US" smtClean="0"/>
-              <a:t>5/17/2025</a:t>
+              <a:t>5/22/2025</a:t>
             </a:fld>
             <a:endParaRPr lang="en-US"/>
           </a:p>
@@ -1442,7 +1444,7 @@
           <a:p>
             <a:fld id="{5BCAD085-E8A6-8845-BD4E-CB4CCA059FC4}" type="datetimeFigureOut">
               <a:rPr lang="en-US" smtClean="0"/>
-              <a:t>5/17/2025</a:t>
+              <a:t>5/22/2025</a:t>
             </a:fld>
             <a:endParaRPr lang="en-US"/>
           </a:p>
@@ -1889,7 +1891,7 @@
           <a:p>
             <a:fld id="{5BCAD085-E8A6-8845-BD4E-CB4CCA059FC4}" type="datetimeFigureOut">
               <a:rPr lang="en-US" smtClean="0"/>
-              <a:t>5/17/2025</a:t>
+              <a:t>5/22/2025</a:t>
             </a:fld>
             <a:endParaRPr lang="en-US"/>
           </a:p>
@@ -2038,7 +2040,7 @@
           <a:p>
             <a:fld id="{5BCAD085-E8A6-8845-BD4E-CB4CCA059FC4}" type="datetimeFigureOut">
               <a:rPr lang="en-US" smtClean="0"/>
-              <a:t>5/17/2025</a:t>
+              <a:t>5/22/2025</a:t>
             </a:fld>
             <a:endParaRPr lang="en-US"/>
           </a:p>
@@ -2133,7 +2135,7 @@
           <a:p>
             <a:fld id="{5BCAD085-E8A6-8845-BD4E-CB4CCA059FC4}" type="datetimeFigureOut">
               <a:rPr lang="en-US" smtClean="0"/>
-              <a:t>5/17/2025</a:t>
+              <a:t>5/22/2025</a:t>
             </a:fld>
             <a:endParaRPr lang="en-US"/>
           </a:p>
@@ -2386,7 +2388,7 @@
           <a:p>
             <a:fld id="{5BCAD085-E8A6-8845-BD4E-CB4CCA059FC4}" type="datetimeFigureOut">
               <a:rPr lang="en-US" smtClean="0"/>
-              <a:t>5/17/2025</a:t>
+              <a:t>5/22/2025</a:t>
             </a:fld>
             <a:endParaRPr lang="en-US"/>
           </a:p>
@@ -2831,7 +2833,7 @@
           <a:p>
             <a:fld id="{5BCAD085-E8A6-8845-BD4E-CB4CCA059FC4}" type="datetimeFigureOut">
               <a:rPr lang="en-US" smtClean="0"/>
-              <a:t>5/17/2025</a:t>
+              <a:t>5/22/2025</a:t>
             </a:fld>
             <a:endParaRPr lang="en-US"/>
           </a:p>
@@ -3195,7 +3197,7 @@
           <a:p>
             <a:fld id="{5BCAD085-E8A6-8845-BD4E-CB4CCA059FC4}" type="datetimeFigureOut">
               <a:rPr lang="en-US" smtClean="0"/>
-              <a:t>5/17/2025</a:t>
+              <a:t>5/22/2025</a:t>
             </a:fld>
             <a:endParaRPr lang="en-US"/>
           </a:p>
@@ -4035,7 +4037,7 @@
         </p:nvSpPr>
         <p:spPr>
           <a:xfrm>
-            <a:off x="1088684" y="1376053"/>
+            <a:off x="1044677" y="906696"/>
             <a:ext cx="7054418" cy="1002990"/>
           </a:xfrm>
         </p:spPr>
@@ -4064,8 +4066,8 @@
         </p:nvSpPr>
         <p:spPr>
           <a:xfrm>
-            <a:off x="1088684" y="2464991"/>
-            <a:ext cx="7054418" cy="2403571"/>
+            <a:off x="1044677" y="1771413"/>
+            <a:ext cx="7054418" cy="2458983"/>
           </a:xfrm>
         </p:spPr>
         <p:txBody>
@@ -4092,8 +4094,44 @@
             </a:pPr>
             <a:r>
               <a:rPr sz="1600" dirty="0"/>
-              <a:t>Aim: Explore how chess players perceive the tool across skill levels</a:t>
-            </a:r>
+              <a:t>Aim: </a:t>
+            </a:r>
+            <a:endParaRPr lang="en-US" sz="1600" dirty="0"/>
+          </a:p>
+          <a:p>
+            <a:pPr lvl="1">
+              <a:lnSpc>
+                <a:spcPct val="110000"/>
+              </a:lnSpc>
+            </a:pPr>
+            <a:r>
+              <a:rPr sz="900" dirty="0"/>
+              <a:t>Explore how chess players perceive the tool across skill levels</a:t>
+            </a:r>
+            <a:endParaRPr lang="en-US" sz="900" dirty="0"/>
+          </a:p>
+          <a:p>
+            <a:pPr lvl="1">
+              <a:lnSpc>
+                <a:spcPct val="110000"/>
+              </a:lnSpc>
+            </a:pPr>
+            <a:r>
+              <a:rPr lang="en-US" sz="900" dirty="0"/>
+              <a:t>Identify which factors influence the adoption of the tool</a:t>
+            </a:r>
+          </a:p>
+          <a:p>
+            <a:pPr lvl="1">
+              <a:lnSpc>
+                <a:spcPct val="110000"/>
+              </a:lnSpc>
+            </a:pPr>
+            <a:r>
+              <a:rPr lang="en-US" sz="900" dirty="0"/>
+              <a:t>Receive insights to help form the design and improve over-the-board computer vision chess training tools.</a:t>
+            </a:r>
+            <a:endParaRPr sz="900" dirty="0"/>
           </a:p>
           <a:p>
             <a:pPr>
@@ -4103,40 +4141,27 @@
             </a:pPr>
             <a:r>
               <a:rPr sz="1600" dirty="0"/>
-              <a:t>Hypotheses:</a:t>
-            </a:r>
-          </a:p>
-          <a:p>
-            <a:pPr>
+              <a:t>Hypothes</a:t>
+            </a:r>
+            <a:r>
+              <a:rPr lang="en-US" sz="1600" dirty="0"/>
+              <a:t>i</a:t>
+            </a:r>
+            <a:r>
+              <a:rPr sz="1600" dirty="0"/>
+              <a:t>s:</a:t>
+            </a:r>
+            <a:endParaRPr lang="en-US" sz="1600" dirty="0"/>
+          </a:p>
+          <a:p>
+            <a:pPr lvl="1">
               <a:lnSpc>
                 <a:spcPct val="110000"/>
               </a:lnSpc>
             </a:pPr>
             <a:r>
-              <a:rPr sz="1600" dirty="0"/>
-              <a:t>   - H1: Ease of use influences adoption (esp. beginners)</a:t>
-            </a:r>
-          </a:p>
-          <a:p>
-            <a:pPr>
-              <a:lnSpc>
-                <a:spcPct val="110000"/>
-              </a:lnSpc>
-            </a:pPr>
-            <a:r>
-              <a:rPr sz="1600" dirty="0"/>
-              <a:t>   - H2: Adoption influenced by ease, accuracy, integration</a:t>
-            </a:r>
-          </a:p>
-          <a:p>
-            <a:pPr>
-              <a:lnSpc>
-                <a:spcPct val="110000"/>
-              </a:lnSpc>
-            </a:pPr>
-            <a:r>
-              <a:rPr sz="1600" dirty="0"/>
-              <a:t>   - H3: Advanced players focus more on accuracy</a:t>
+              <a:rPr lang="en-US" sz="1200" dirty="0"/>
+              <a:t>How do players of varying experience levels perceive the ease of use, accuracy, and training integration of the tool, and how do these perceptions influence their intention to adopt it?</a:t>
             </a:r>
           </a:p>
         </p:txBody>
@@ -4185,6 +4210,55 @@
           </a:prstGeom>
         </p:spPr>
       </p:pic>
+      <p:sp>
+        <p:nvSpPr>
+          <p:cNvPr id="3" name="TextBox 2">
+            <a:extLst>
+              <a:ext uri="{FF2B5EF4-FFF2-40B4-BE49-F238E27FC236}">
+                <a16:creationId xmlns:a16="http://schemas.microsoft.com/office/drawing/2014/main" id="{51E10058-BB08-B41A-AC6A-C9948D135086}"/>
+              </a:ext>
+            </a:extLst>
+          </p:cNvPr>
+          <p:cNvSpPr txBox="1"/>
+          <p:nvPr/>
+        </p:nvSpPr>
+        <p:spPr>
+          <a:xfrm>
+            <a:off x="2280778" y="4340186"/>
+            <a:ext cx="4582216" cy="646331"/>
+          </a:xfrm>
+          <a:prstGeom prst="rect">
+            <a:avLst/>
+          </a:prstGeom>
+          <a:noFill/>
+        </p:spPr>
+        <p:txBody>
+          <a:bodyPr wrap="none" rtlCol="0">
+            <a:spAutoFit/>
+          </a:bodyPr>
+          <a:lstStyle/>
+          <a:p>
+            <a:r>
+              <a:rPr lang="en-US" sz="1200" dirty="0"/>
+              <a:t>Hypothesis created in-line with J.W Creswell’s guidelines on </a:t>
+            </a:r>
+            <a:br>
+              <a:rPr lang="en-US" sz="1200" dirty="0"/>
+            </a:br>
+            <a:r>
+              <a:rPr lang="en-US" sz="1200" dirty="0"/>
+              <a:t>Qualitative Research Design, therefore implemented as an open-ended</a:t>
+            </a:r>
+          </a:p>
+          <a:p>
+            <a:r>
+              <a:rPr lang="en-US" sz="1200" dirty="0"/>
+              <a:t>question, rather than a directional hypothesis.</a:t>
+            </a:r>
+            <a:endParaRPr lang="en-150" sz="1200" dirty="0"/>
+          </a:p>
+        </p:txBody>
+      </p:sp>
     </p:spTree>
   </p:cSld>
   <p:clrMapOvr>
@@ -4252,6 +4326,11 @@
               <a:rPr sz="2400" dirty="0"/>
               <a:t>Reviewed: Phenomenology, Grounded Theory, Case Study</a:t>
             </a:r>
+            <a:r>
+              <a:rPr lang="en-US" sz="2400" dirty="0"/>
+              <a:t>, Ethnographic, Narrative</a:t>
+            </a:r>
+            <a:endParaRPr sz="2400" dirty="0"/>
           </a:p>
           <a:p>
             <a:r>
@@ -4284,6 +4363,30 @@
 <file path=ppt/slides/slide3.xml><?xml version="1.0" encoding="utf-8"?>
 <p:sld xmlns:a="http://schemas.openxmlformats.org/drawingml/2006/main" xmlns:r="http://schemas.openxmlformats.org/officeDocument/2006/relationships" xmlns:p="http://schemas.openxmlformats.org/presentationml/2006/main">
   <p:cSld>
+    <p:bg>
+      <p:bgPr>
+        <a:gradFill rotWithShape="1">
+          <a:gsLst>
+            <a:gs pos="0">
+              <a:schemeClr val="bg2">
+                <a:tint val="94000"/>
+                <a:satMod val="80000"/>
+                <a:lumMod val="106000"/>
+              </a:schemeClr>
+            </a:gs>
+            <a:gs pos="100000">
+              <a:schemeClr val="bg2">
+                <a:shade val="80000"/>
+              </a:schemeClr>
+            </a:gs>
+          </a:gsLst>
+          <a:path path="circle">
+            <a:fillToRect l="43000" r="43000" b="100000"/>
+          </a:path>
+        </a:gradFill>
+        <a:effectLst/>
+      </p:bgPr>
+    </p:bg>
     <p:spTree>
       <p:nvGrpSpPr>
         <p:cNvPr id="1" name=""/>
@@ -4300,7 +4403,366 @@
       </p:grpSpPr>
       <p:sp>
         <p:nvSpPr>
-          <p:cNvPr id="2" name="Title 1"/>
+          <p:cNvPr id="31" name="Rectangle 30">
+            <a:extLst>
+              <a:ext uri="{FF2B5EF4-FFF2-40B4-BE49-F238E27FC236}">
+                <a16:creationId xmlns:a16="http://schemas.microsoft.com/office/drawing/2014/main" id="{0CABCAE3-64FC-4149-819F-2C1812824154}"/>
+              </a:ext>
+              <a:ext uri="{C183D7F6-B498-43B3-948B-1728B52AA6E4}">
+                <adec:decorative xmlns:adec="http://schemas.microsoft.com/office/drawing/2017/decorative" val="1"/>
+              </a:ext>
+            </a:extLst>
+          </p:cNvPr>
+          <p:cNvSpPr>
+            <a:spLocks noGrp="1" noRot="1" noChangeAspect="1" noMove="1" noResize="1" noEditPoints="1" noAdjustHandles="1" noChangeArrowheads="1" noChangeShapeType="1" noTextEdit="1"/>
+          </p:cNvSpPr>
+          <p:nvPr>
+            <p:extLst>
+              <p:ext uri="{386F3935-93C4-4BCD-93E2-E3B085C9AB24}">
+                <p16:designElem xmlns:p16="http://schemas.microsoft.com/office/powerpoint/2015/main" val="1"/>
+              </p:ext>
+            </p:extLst>
+          </p:nvPr>
+        </p:nvSpPr>
+        <p:spPr>
+          <a:xfrm>
+            <a:off x="0" y="2019476"/>
+            <a:ext cx="9144000" cy="4105941"/>
+          </a:xfrm>
+          <a:prstGeom prst="rect">
+            <a:avLst/>
+          </a:prstGeom>
+          <a:gradFill flip="none" rotWithShape="1">
+            <a:gsLst>
+              <a:gs pos="0">
+                <a:schemeClr val="bg2">
+                  <a:alpha val="0"/>
+                </a:schemeClr>
+              </a:gs>
+              <a:gs pos="100000">
+                <a:schemeClr val="bg2"/>
+              </a:gs>
+            </a:gsLst>
+            <a:lin ang="5400000" scaled="0"/>
+            <a:tileRect/>
+          </a:gradFill>
+          <a:ln>
+            <a:noFill/>
+          </a:ln>
+        </p:spPr>
+        <p:style>
+          <a:lnRef idx="2">
+            <a:schemeClr val="accent1">
+              <a:shade val="50000"/>
+            </a:schemeClr>
+          </a:lnRef>
+          <a:fillRef idx="1">
+            <a:schemeClr val="accent1"/>
+          </a:fillRef>
+          <a:effectRef idx="0">
+            <a:schemeClr val="accent1"/>
+          </a:effectRef>
+          <a:fontRef idx="minor">
+            <a:schemeClr val="lt1"/>
+          </a:fontRef>
+        </p:style>
+        <p:txBody>
+          <a:bodyPr/>
+          <a:lstStyle/>
+          <a:p>
+            <a:endParaRPr lang="en-150"/>
+          </a:p>
+        </p:txBody>
+      </p:sp>
+      <p:pic>
+        <p:nvPicPr>
+          <p:cNvPr id="33" name="Picture 32">
+            <a:extLst>
+              <a:ext uri="{FF2B5EF4-FFF2-40B4-BE49-F238E27FC236}">
+                <a16:creationId xmlns:a16="http://schemas.microsoft.com/office/drawing/2014/main" id="{012FDCFE-9AD2-4D8A-8CBF-B3AA37EBF6DD}"/>
+              </a:ext>
+              <a:ext uri="{C183D7F6-B498-43B3-948B-1728B52AA6E4}">
+                <adec:decorative xmlns:adec="http://schemas.microsoft.com/office/drawing/2017/decorative" val="1"/>
+              </a:ext>
+            </a:extLst>
+          </p:cNvPr>
+          <p:cNvPicPr>
+            <a:picLocks noGrp="1" noRot="1" noChangeAspect="1" noMove="1" noResize="1" noEditPoints="1" noAdjustHandles="1" noChangeArrowheads="1" noChangeShapeType="1" noCrop="1"/>
+          </p:cNvPicPr>
+          <p:nvPr>
+            <p:extLst>
+              <p:ext uri="{386F3935-93C4-4BCD-93E2-E3B085C9AB24}">
+                <p16:designElem xmlns:p16="http://schemas.microsoft.com/office/powerpoint/2015/main" val="1"/>
+              </p:ext>
+            </p:extLst>
+          </p:nvPr>
+        </p:nvPicPr>
+        <p:blipFill rotWithShape="1">
+          <a:blip r:embed="rId2">
+            <a:extLst>
+              <a:ext uri="{28A0092B-C50C-407E-A947-70E740481C1C}">
+                <a14:useLocalDpi xmlns:a14="http://schemas.microsoft.com/office/drawing/2010/main" val="0"/>
+              </a:ext>
+            </a:extLst>
+          </a:blip>
+          <a:srcRect t="1538" b="-1538"/>
+          <a:stretch/>
+        </p:blipFill>
+        <p:spPr bwMode="black">
+          <a:xfrm>
+            <a:off x="0" y="6126480"/>
+            <a:ext cx="9144000" cy="742950"/>
+          </a:xfrm>
+          <a:prstGeom prst="rect">
+            <a:avLst/>
+          </a:prstGeom>
+        </p:spPr>
+      </p:pic>
+      <p:cxnSp>
+        <p:nvCxnSpPr>
+          <p:cNvPr id="34" name="Straight Connector 33">
+            <a:extLst>
+              <a:ext uri="{FF2B5EF4-FFF2-40B4-BE49-F238E27FC236}">
+                <a16:creationId xmlns:a16="http://schemas.microsoft.com/office/drawing/2014/main" id="{FBD463FC-4CA8-4FF4-85A3-AF9F4B98D210}"/>
+              </a:ext>
+              <a:ext uri="{C183D7F6-B498-43B3-948B-1728B52AA6E4}">
+                <adec:decorative xmlns:adec="http://schemas.microsoft.com/office/drawing/2017/decorative" val="1"/>
+              </a:ext>
+            </a:extLst>
+          </p:cNvPr>
+          <p:cNvCxnSpPr>
+            <a:cxnSpLocks noGrp="1" noRot="1" noChangeAspect="1" noMove="1" noResize="1" noEditPoints="1" noAdjustHandles="1" noChangeArrowheads="1" noChangeShapeType="1"/>
+          </p:cNvCxnSpPr>
+          <p:nvPr>
+            <p:extLst>
+              <p:ext uri="{386F3935-93C4-4BCD-93E2-E3B085C9AB24}">
+                <p16:designElem xmlns:p16="http://schemas.microsoft.com/office/powerpoint/2015/main" val="1"/>
+              </p:ext>
+            </p:extLst>
+          </p:nvPr>
+        </p:nvCxnSpPr>
+        <p:spPr>
+          <a:xfrm>
+            <a:off x="0" y="6128413"/>
+            <a:ext cx="9144000" cy="0"/>
+          </a:xfrm>
+          <a:prstGeom prst="line">
+            <a:avLst/>
+          </a:prstGeom>
+          <a:ln w="12700">
+            <a:solidFill>
+              <a:srgbClr val="000001">
+                <a:alpha val="20000"/>
+              </a:srgbClr>
+            </a:solidFill>
+          </a:ln>
+        </p:spPr>
+        <p:style>
+          <a:lnRef idx="1">
+            <a:schemeClr val="accent1"/>
+          </a:lnRef>
+          <a:fillRef idx="0">
+            <a:schemeClr val="accent1"/>
+          </a:fillRef>
+          <a:effectRef idx="0">
+            <a:schemeClr val="accent1"/>
+          </a:effectRef>
+          <a:fontRef idx="minor">
+            <a:schemeClr val="tx1"/>
+          </a:fontRef>
+        </p:style>
+      </p:cxnSp>
+      <p:cxnSp>
+        <p:nvCxnSpPr>
+          <p:cNvPr id="35" name="Straight Connector 34">
+            <a:extLst>
+              <a:ext uri="{FF2B5EF4-FFF2-40B4-BE49-F238E27FC236}">
+                <a16:creationId xmlns:a16="http://schemas.microsoft.com/office/drawing/2014/main" id="{BECF35C3-8B44-4F4B-BD25-4C01823DB22A}"/>
+              </a:ext>
+              <a:ext uri="{C183D7F6-B498-43B3-948B-1728B52AA6E4}">
+                <adec:decorative xmlns:adec="http://schemas.microsoft.com/office/drawing/2017/decorative" val="1"/>
+              </a:ext>
+            </a:extLst>
+          </p:cNvPr>
+          <p:cNvCxnSpPr>
+            <a:cxnSpLocks noGrp="1" noRot="1" noChangeAspect="1" noMove="1" noResize="1" noEditPoints="1" noAdjustHandles="1" noChangeArrowheads="1" noChangeShapeType="1"/>
+          </p:cNvCxnSpPr>
+          <p:nvPr>
+            <p:extLst>
+              <p:ext uri="{386F3935-93C4-4BCD-93E2-E3B085C9AB24}">
+                <p16:designElem xmlns:p16="http://schemas.microsoft.com/office/powerpoint/2015/main" val="1"/>
+              </p:ext>
+            </p:extLst>
+          </p:nvPr>
+        </p:nvCxnSpPr>
+        <p:spPr>
+          <a:xfrm>
+            <a:off x="1813335" y="3528542"/>
+            <a:ext cx="6477804" cy="0"/>
+          </a:xfrm>
+          <a:prstGeom prst="line">
+            <a:avLst/>
+          </a:prstGeom>
+          <a:ln w="31750"/>
+        </p:spPr>
+        <p:style>
+          <a:lnRef idx="3">
+            <a:schemeClr val="accent1"/>
+          </a:lnRef>
+          <a:fillRef idx="0">
+            <a:schemeClr val="accent1"/>
+          </a:fillRef>
+          <a:effectRef idx="2">
+            <a:schemeClr val="accent1"/>
+          </a:effectRef>
+          <a:fontRef idx="minor">
+            <a:schemeClr val="tx1"/>
+          </a:fontRef>
+        </p:style>
+      </p:cxnSp>
+      <p:sp useBgFill="1">
+        <p:nvSpPr>
+          <p:cNvPr id="36" name="Rectangle 35">
+            <a:extLst>
+              <a:ext uri="{FF2B5EF4-FFF2-40B4-BE49-F238E27FC236}">
+                <a16:creationId xmlns:a16="http://schemas.microsoft.com/office/drawing/2014/main" id="{2FA7AD0A-1871-4DF8-9235-F49D0513B9C1}"/>
+              </a:ext>
+              <a:ext uri="{C183D7F6-B498-43B3-948B-1728B52AA6E4}">
+                <adec:decorative xmlns:adec="http://schemas.microsoft.com/office/drawing/2017/decorative" val="1"/>
+              </a:ext>
+            </a:extLst>
+          </p:cNvPr>
+          <p:cNvSpPr>
+            <a:spLocks noGrp="1" noRot="1" noChangeAspect="1" noMove="1" noResize="1" noEditPoints="1" noAdjustHandles="1" noChangeArrowheads="1" noChangeShapeType="1" noTextEdit="1"/>
+          </p:cNvSpPr>
+          <p:nvPr>
+            <p:extLst>
+              <p:ext uri="{386F3935-93C4-4BCD-93E2-E3B085C9AB24}">
+                <p16:designElem xmlns:p16="http://schemas.microsoft.com/office/powerpoint/2015/main" val="1"/>
+              </p:ext>
+            </p:extLst>
+          </p:nvPr>
+        </p:nvSpPr>
+        <p:spPr>
+          <a:xfrm>
+            <a:off x="1" y="0"/>
+            <a:ext cx="9143771" cy="6858000"/>
+          </a:xfrm>
+          <a:prstGeom prst="rect">
+            <a:avLst/>
+          </a:prstGeom>
+          <a:ln>
+            <a:noFill/>
+          </a:ln>
+        </p:spPr>
+        <p:style>
+          <a:lnRef idx="2">
+            <a:schemeClr val="accent1">
+              <a:shade val="50000"/>
+            </a:schemeClr>
+          </a:lnRef>
+          <a:fillRef idx="1">
+            <a:schemeClr val="accent1"/>
+          </a:fillRef>
+          <a:effectRef idx="0">
+            <a:schemeClr val="accent1"/>
+          </a:effectRef>
+          <a:fontRef idx="minor">
+            <a:schemeClr val="lt1"/>
+          </a:fontRef>
+        </p:style>
+        <p:txBody>
+          <a:bodyPr rtlCol="0" anchor="ctr"/>
+          <a:lstStyle/>
+          <a:p>
+            <a:pPr algn="ctr"/>
+            <a:endParaRPr lang="en-US"/>
+          </a:p>
+        </p:txBody>
+      </p:sp>
+      <p:sp>
+        <p:nvSpPr>
+          <p:cNvPr id="37" name="Rectangle 36">
+            <a:extLst>
+              <a:ext uri="{FF2B5EF4-FFF2-40B4-BE49-F238E27FC236}">
+                <a16:creationId xmlns:a16="http://schemas.microsoft.com/office/drawing/2014/main" id="{36B04CFB-FAE5-47DD-9B3E-4E9BA7A89CC1}"/>
+              </a:ext>
+              <a:ext uri="{C183D7F6-B498-43B3-948B-1728B52AA6E4}">
+                <adec:decorative xmlns:adec="http://schemas.microsoft.com/office/drawing/2017/decorative" val="1"/>
+              </a:ext>
+            </a:extLst>
+          </p:cNvPr>
+          <p:cNvSpPr>
+            <a:spLocks noGrp="1" noRot="1" noChangeAspect="1" noMove="1" noResize="1" noEditPoints="1" noAdjustHandles="1" noChangeArrowheads="1" noChangeShapeType="1" noTextEdit="1"/>
+          </p:cNvSpPr>
+          <p:nvPr>
+            <p:extLst>
+              <p:ext uri="{386F3935-93C4-4BCD-93E2-E3B085C9AB24}">
+                <p16:designElem xmlns:p16="http://schemas.microsoft.com/office/powerpoint/2015/main" val="1"/>
+              </p:ext>
+            </p:extLst>
+          </p:nvPr>
+        </p:nvSpPr>
+        <p:spPr>
+          <a:xfrm>
+            <a:off x="0" y="2019476"/>
+            <a:ext cx="9144000" cy="4105941"/>
+          </a:xfrm>
+          <a:prstGeom prst="rect">
+            <a:avLst/>
+          </a:prstGeom>
+          <a:gradFill flip="none" rotWithShape="1">
+            <a:gsLst>
+              <a:gs pos="0">
+                <a:schemeClr val="bg2">
+                  <a:alpha val="0"/>
+                </a:schemeClr>
+              </a:gs>
+              <a:gs pos="100000">
+                <a:schemeClr val="bg2"/>
+              </a:gs>
+            </a:gsLst>
+            <a:lin ang="5400000" scaled="0"/>
+            <a:tileRect/>
+          </a:gradFill>
+          <a:ln>
+            <a:noFill/>
+          </a:ln>
+        </p:spPr>
+        <p:style>
+          <a:lnRef idx="2">
+            <a:schemeClr val="accent1">
+              <a:shade val="50000"/>
+            </a:schemeClr>
+          </a:lnRef>
+          <a:fillRef idx="1">
+            <a:schemeClr val="accent1"/>
+          </a:fillRef>
+          <a:effectRef idx="0">
+            <a:schemeClr val="accent1"/>
+          </a:effectRef>
+          <a:fontRef idx="minor">
+            <a:schemeClr val="lt1"/>
+          </a:fontRef>
+        </p:style>
+        <p:txBody>
+          <a:bodyPr rtlCol="0" anchor="ctr"/>
+          <a:lstStyle/>
+          <a:p>
+            <a:pPr lvl="0" algn="ctr"/>
+            <a:endParaRPr lang="en-US"/>
+          </a:p>
+        </p:txBody>
+      </p:sp>
+      <p:sp>
+        <p:nvSpPr>
+          <p:cNvPr id="2" name="Title 1">
+            <a:extLst>
+              <a:ext uri="{FF2B5EF4-FFF2-40B4-BE49-F238E27FC236}">
+                <a16:creationId xmlns:a16="http://schemas.microsoft.com/office/drawing/2014/main" id="{58682703-AEEC-A6F0-430B-628F4CA8CAFA}"/>
+              </a:ext>
+            </a:extLst>
+          </p:cNvPr>
           <p:cNvSpPr>
             <a:spLocks noGrp="1"/>
           </p:cNvSpPr>
@@ -4308,68 +4770,472 @@
             <p:ph type="title"/>
           </p:nvPr>
         </p:nvSpPr>
-        <p:spPr/>
-        <p:txBody>
-          <a:bodyPr>
+        <p:spPr>
+          <a:xfrm>
+            <a:off x="494475" y="1474969"/>
+            <a:ext cx="2117940" cy="1868760"/>
+          </a:xfrm>
+        </p:spPr>
+        <p:txBody>
+          <a:bodyPr vert="horz" lIns="91440" tIns="45720" rIns="91440" bIns="0" rtlCol="0" anchor="b">
             <a:normAutofit/>
           </a:bodyPr>
           <a:lstStyle/>
           <a:p>
-            <a:r>
-              <a:t>Experiment Design &amp; Data Collection</a:t>
-            </a:r>
-          </a:p>
-        </p:txBody>
-      </p:sp>
-      <p:sp>
-        <p:nvSpPr>
-          <p:cNvPr id="3" name="Content Placeholder 2"/>
-          <p:cNvSpPr>
-            <a:spLocks noGrp="1"/>
-          </p:cNvSpPr>
+            <a:pPr defTabSz="914400"/>
+            <a:r>
+              <a:rPr lang="en-US" sz="3100"/>
+              <a:t>Research onion</a:t>
+            </a:r>
+          </a:p>
+        </p:txBody>
+      </p:sp>
+      <p:cxnSp>
+        <p:nvCxnSpPr>
+          <p:cNvPr id="38" name="Straight Connector 37">
+            <a:extLst>
+              <a:ext uri="{FF2B5EF4-FFF2-40B4-BE49-F238E27FC236}">
+                <a16:creationId xmlns:a16="http://schemas.microsoft.com/office/drawing/2014/main" id="{EE68D41B-9286-479F-9AB7-678C8E348D71}"/>
+              </a:ext>
+              <a:ext uri="{C183D7F6-B498-43B3-948B-1728B52AA6E4}">
+                <adec:decorative xmlns:adec="http://schemas.microsoft.com/office/drawing/2017/decorative" val="1"/>
+              </a:ext>
+            </a:extLst>
+          </p:cNvPr>
+          <p:cNvCxnSpPr>
+            <a:cxnSpLocks noGrp="1" noRot="1" noChangeAspect="1" noMove="1" noResize="1" noEditPoints="1" noAdjustHandles="1" noChangeArrowheads="1" noChangeShapeType="1"/>
+          </p:cNvCxnSpPr>
+          <p:nvPr>
+            <p:extLst>
+              <p:ext uri="{386F3935-93C4-4BCD-93E2-E3B085C9AB24}">
+                <p16:designElem xmlns:p16="http://schemas.microsoft.com/office/powerpoint/2015/main" val="1"/>
+              </p:ext>
+            </p:extLst>
+          </p:nvPr>
+        </p:nvCxnSpPr>
+        <p:spPr>
+          <a:xfrm>
+            <a:off x="494475" y="3528543"/>
+            <a:ext cx="2117940" cy="0"/>
+          </a:xfrm>
+          <a:prstGeom prst="line">
+            <a:avLst/>
+          </a:prstGeom>
+          <a:ln w="31750"/>
+        </p:spPr>
+        <p:style>
+          <a:lnRef idx="3">
+            <a:schemeClr val="accent1"/>
+          </a:lnRef>
+          <a:fillRef idx="0">
+            <a:schemeClr val="accent1"/>
+          </a:fillRef>
+          <a:effectRef idx="2">
+            <a:schemeClr val="accent1"/>
+          </a:effectRef>
+          <a:fontRef idx="minor">
+            <a:schemeClr val="tx1"/>
+          </a:fontRef>
+        </p:style>
+      </p:cxnSp>
+      <p:grpSp>
+        <p:nvGrpSpPr>
+          <p:cNvPr id="39" name="Group 38">
+            <a:extLst>
+              <a:ext uri="{FF2B5EF4-FFF2-40B4-BE49-F238E27FC236}">
+                <a16:creationId xmlns:a16="http://schemas.microsoft.com/office/drawing/2014/main" id="{E8ACF89C-CFC3-4D68-B3C4-2BEFB7BBE5F7}"/>
+              </a:ext>
+              <a:ext uri="{C183D7F6-B498-43B3-948B-1728B52AA6E4}">
+                <adec:decorative xmlns:adec="http://schemas.microsoft.com/office/drawing/2017/decorative" val="1"/>
+              </a:ext>
+            </a:extLst>
+          </p:cNvPr>
+          <p:cNvGrpSpPr>
+            <a:grpSpLocks noGrp="1" noUngrp="1" noRot="1" noChangeAspect="1" noMove="1" noResize="1"/>
+          </p:cNvGrpSpPr>
+          <p:nvPr>
+            <p:extLst>
+              <p:ext uri="{386F3935-93C4-4BCD-93E2-E3B085C9AB24}">
+                <p16:designElem xmlns:p16="http://schemas.microsoft.com/office/powerpoint/2015/main" val="1"/>
+              </p:ext>
+            </p:extLst>
+          </p:nvPr>
+        </p:nvGrpSpPr>
+        <p:grpSpPr>
+          <a:xfrm>
+            <a:off x="2984541" y="482171"/>
+            <a:ext cx="5670087" cy="5149101"/>
+            <a:chOff x="3979389" y="482171"/>
+            <a:chExt cx="7560115" cy="5149101"/>
+          </a:xfrm>
+        </p:grpSpPr>
+        <p:sp>
+          <p:nvSpPr>
+            <p:cNvPr id="25" name="Rectangle 24">
+              <a:extLst>
+                <a:ext uri="{FF2B5EF4-FFF2-40B4-BE49-F238E27FC236}">
+                  <a16:creationId xmlns:a16="http://schemas.microsoft.com/office/drawing/2014/main" id="{3B770B7D-3C5C-4682-8DF0-20783592F3B6}"/>
+                </a:ext>
+                <a:ext uri="{C183D7F6-B498-43B3-948B-1728B52AA6E4}">
+                  <adec:decorative xmlns:adec="http://schemas.microsoft.com/office/drawing/2017/decorative" val="1"/>
+                </a:ext>
+              </a:extLst>
+            </p:cNvPr>
+            <p:cNvSpPr/>
+            <p:nvPr>
+              <p:extLst>
+                <p:ext uri="{386F3935-93C4-4BCD-93E2-E3B085C9AB24}">
+                  <p16:designElem xmlns:p16="http://schemas.microsoft.com/office/powerpoint/2015/main" val="1"/>
+                </p:ext>
+              </p:extLst>
+            </p:nvPr>
+          </p:nvSpPr>
+          <p:spPr>
+            <a:xfrm>
+              <a:off x="3979389" y="482171"/>
+              <a:ext cx="7560115" cy="5149101"/>
+            </a:xfrm>
+            <a:prstGeom prst="rect">
+              <a:avLst/>
+            </a:prstGeom>
+            <a:gradFill>
+              <a:gsLst>
+                <a:gs pos="0">
+                  <a:srgbClr val="000001"/>
+                </a:gs>
+                <a:gs pos="100000">
+                  <a:srgbClr val="191919"/>
+                </a:gs>
+              </a:gsLst>
+            </a:gradFill>
+            <a:ln w="76200" cmpd="sng">
+              <a:noFill/>
+              <a:miter lim="800000"/>
+            </a:ln>
+            <a:effectLst>
+              <a:outerShdw blurRad="127000" dist="228600" dir="4740000" sx="98000" sy="98000" algn="tl" rotWithShape="0">
+                <a:srgbClr val="000000">
+                  <a:alpha val="34000"/>
+                </a:srgbClr>
+              </a:outerShdw>
+            </a:effectLst>
+            <a:scene3d>
+              <a:camera prst="orthographicFront"/>
+              <a:lightRig rig="threePt" dir="t"/>
+            </a:scene3d>
+            <a:sp3d>
+              <a:bevelT w="152400" h="50800" prst="softRound"/>
+            </a:sp3d>
+          </p:spPr>
+          <p:style>
+            <a:lnRef idx="1">
+              <a:schemeClr val="accent1"/>
+            </a:lnRef>
+            <a:fillRef idx="3">
+              <a:schemeClr val="accent1"/>
+            </a:fillRef>
+            <a:effectRef idx="2">
+              <a:schemeClr val="accent1"/>
+            </a:effectRef>
+            <a:fontRef idx="minor">
+              <a:schemeClr val="lt1"/>
+            </a:fontRef>
+          </p:style>
+          <p:txBody>
+            <a:bodyPr rtlCol="0" anchor="ctr"/>
+            <a:lstStyle/>
+            <a:p>
+              <a:pPr algn="ctr"/>
+              <a:endParaRPr lang="en-US"/>
+            </a:p>
+          </p:txBody>
+        </p:sp>
+        <p:sp>
+          <p:nvSpPr>
+            <p:cNvPr id="40" name="Rectangle 39">
+              <a:extLst>
+                <a:ext uri="{FF2B5EF4-FFF2-40B4-BE49-F238E27FC236}">
+                  <a16:creationId xmlns:a16="http://schemas.microsoft.com/office/drawing/2014/main" id="{A6893E11-7EC1-4EB6-A2A8-0B693F8FE576}"/>
+                </a:ext>
+                <a:ext uri="{C183D7F6-B498-43B3-948B-1728B52AA6E4}">
+                  <adec:decorative xmlns:adec="http://schemas.microsoft.com/office/drawing/2017/decorative" val="1"/>
+                </a:ext>
+              </a:extLst>
+            </p:cNvPr>
+            <p:cNvSpPr/>
+            <p:nvPr>
+              <p:extLst>
+                <p:ext uri="{386F3935-93C4-4BCD-93E2-E3B085C9AB24}">
+                  <p16:designElem xmlns:p16="http://schemas.microsoft.com/office/powerpoint/2015/main" val="1"/>
+                </p:ext>
+              </p:extLst>
+            </p:nvPr>
+          </p:nvSpPr>
+          <p:spPr>
+            <a:xfrm>
+              <a:off x="4292448" y="812507"/>
+              <a:ext cx="6928279" cy="4466452"/>
+            </a:xfrm>
+            <a:prstGeom prst="rect">
+              <a:avLst/>
+            </a:prstGeom>
+            <a:gradFill>
+              <a:gsLst>
+                <a:gs pos="0">
+                  <a:srgbClr val="DADADA"/>
+                </a:gs>
+                <a:gs pos="100000">
+                  <a:srgbClr val="FFFFFE"/>
+                </a:gs>
+              </a:gsLst>
+              <a:lin ang="16200000" scaled="0"/>
+            </a:gradFill>
+            <a:ln w="50800" cmpd="sng">
+              <a:solidFill>
+                <a:srgbClr val="191919"/>
+              </a:solidFill>
+              <a:miter lim="800000"/>
+            </a:ln>
+            <a:effectLst>
+              <a:innerShdw blurRad="63500" dist="88900" dir="14100000">
+                <a:srgbClr val="000000">
+                  <a:alpha val="30000"/>
+                </a:srgbClr>
+              </a:innerShdw>
+            </a:effectLst>
+            <a:scene3d>
+              <a:camera prst="orthographicFront"/>
+              <a:lightRig rig="threePt" dir="t"/>
+            </a:scene3d>
+            <a:sp3d>
+              <a:bevelT prst="relaxedInset"/>
+            </a:sp3d>
+          </p:spPr>
+          <p:style>
+            <a:lnRef idx="1">
+              <a:schemeClr val="accent1"/>
+            </a:lnRef>
+            <a:fillRef idx="3">
+              <a:schemeClr val="accent1"/>
+            </a:fillRef>
+            <a:effectRef idx="2">
+              <a:schemeClr val="accent1"/>
+            </a:effectRef>
+            <a:fontRef idx="minor">
+              <a:schemeClr val="lt1"/>
+            </a:fontRef>
+          </p:style>
+          <p:txBody>
+            <a:bodyPr rtlCol="0" anchor="ctr"/>
+            <a:lstStyle/>
+            <a:p>
+              <a:pPr algn="ctr"/>
+              <a:endParaRPr lang="en-US"/>
+            </a:p>
+          </p:txBody>
+        </p:sp>
+      </p:grpSp>
+      <p:sp>
+        <p:nvSpPr>
+          <p:cNvPr id="41" name="Rectangle 40">
+            <a:extLst>
+              <a:ext uri="{FF2B5EF4-FFF2-40B4-BE49-F238E27FC236}">
+                <a16:creationId xmlns:a16="http://schemas.microsoft.com/office/drawing/2014/main" id="{622F7FD7-8884-4FD5-95AB-0B5C6033ADF7}"/>
+              </a:ext>
+              <a:ext uri="{C183D7F6-B498-43B3-948B-1728B52AA6E4}">
+                <adec:decorative xmlns:adec="http://schemas.microsoft.com/office/drawing/2017/decorative" val="1"/>
+              </a:ext>
+            </a:extLst>
+          </p:cNvPr>
+          <p:cNvSpPr>
+            <a:spLocks noGrp="1" noRot="1" noChangeAspect="1" noMove="1" noResize="1" noEditPoints="1" noAdjustHandles="1" noChangeArrowheads="1" noChangeShapeType="1" noTextEdit="1"/>
+          </p:cNvSpPr>
+          <p:nvPr>
+            <p:extLst>
+              <p:ext uri="{386F3935-93C4-4BCD-93E2-E3B085C9AB24}">
+                <p16:designElem xmlns:p16="http://schemas.microsoft.com/office/powerpoint/2015/main" val="1"/>
+              </p:ext>
+            </p:extLst>
+          </p:nvPr>
+        </p:nvSpPr>
+        <p:spPr>
+          <a:xfrm>
+            <a:off x="3341615" y="977965"/>
+            <a:ext cx="4961686" cy="4135339"/>
+          </a:xfrm>
+          <a:prstGeom prst="rect">
+            <a:avLst/>
+          </a:prstGeom>
+          <a:solidFill>
+            <a:schemeClr val="bg1"/>
+          </a:solidFill>
+          <a:ln w="6350">
+            <a:solidFill>
+              <a:schemeClr val="bg2"/>
+            </a:solidFill>
+          </a:ln>
+        </p:spPr>
+        <p:style>
+          <a:lnRef idx="2">
+            <a:schemeClr val="accent1">
+              <a:shade val="50000"/>
+            </a:schemeClr>
+          </a:lnRef>
+          <a:fillRef idx="1">
+            <a:schemeClr val="accent1"/>
+          </a:fillRef>
+          <a:effectRef idx="0">
+            <a:schemeClr val="accent1"/>
+          </a:effectRef>
+          <a:fontRef idx="minor">
+            <a:schemeClr val="lt1"/>
+          </a:fontRef>
+        </p:style>
+        <p:txBody>
+          <a:bodyPr rtlCol="0" anchor="ctr"/>
+          <a:lstStyle/>
+          <a:p>
+            <a:pPr algn="ctr"/>
+            <a:endParaRPr lang="en-US"/>
+          </a:p>
+        </p:txBody>
+      </p:sp>
+      <p:pic>
+        <p:nvPicPr>
+          <p:cNvPr id="5" name="Content Placeholder 4" descr="A diagram of a diagram&#10;&#10;AI-generated content may be incorrect.">
+            <a:extLst>
+              <a:ext uri="{FF2B5EF4-FFF2-40B4-BE49-F238E27FC236}">
+                <a16:creationId xmlns:a16="http://schemas.microsoft.com/office/drawing/2014/main" id="{85FFC26F-7E2F-F30D-C766-C2168B42AA6C}"/>
+              </a:ext>
+            </a:extLst>
+          </p:cNvPr>
+          <p:cNvPicPr>
+            <a:picLocks noGrp="1" noChangeAspect="1"/>
+          </p:cNvPicPr>
           <p:nvPr>
             <p:ph idx="1"/>
           </p:nvPr>
-        </p:nvSpPr>
-        <p:spPr/>
-        <p:txBody>
-          <a:bodyPr>
-            <a:normAutofit/>
-          </a:bodyPr>
-          <a:lstStyle/>
-          <a:p>
-            <a:r>
-              <a:rPr sz="2400" dirty="0"/>
-              <a:t>Participants:</a:t>
-            </a:r>
-          </a:p>
-          <a:p>
-            <a:r>
-              <a:rPr sz="2400" dirty="0"/>
-              <a:t>   - Beginner (700 Elo, Chess.com)</a:t>
-            </a:r>
-          </a:p>
-          <a:p>
-            <a:r>
-              <a:rPr sz="2400" dirty="0"/>
-              <a:t>   - Advanced (1600 Elo, FIDE Registered)</a:t>
-            </a:r>
-          </a:p>
-          <a:p>
-            <a:r>
-              <a:rPr sz="2400" dirty="0"/>
-              <a:t>Method: Semi-structured interviews</a:t>
-            </a:r>
-          </a:p>
-          <a:p>
-            <a:r>
-              <a:rPr sz="2400" dirty="0"/>
-              <a:t>Ethics: Consent, data protection, anonymization</a:t>
-            </a:r>
-          </a:p>
-        </p:txBody>
-      </p:sp>
+        </p:nvPicPr>
+        <p:blipFill>
+          <a:blip r:embed="rId3"/>
+          <a:stretch>
+            <a:fillRect/>
+          </a:stretch>
+        </p:blipFill>
+        <p:spPr>
+          <a:xfrm>
+            <a:off x="3463780" y="1376603"/>
+            <a:ext cx="4712189" cy="3345655"/>
+          </a:xfrm>
+          <a:prstGeom prst="rect">
+            <a:avLst/>
+          </a:prstGeom>
+        </p:spPr>
+      </p:pic>
+      <p:pic>
+        <p:nvPicPr>
+          <p:cNvPr id="30" name="Picture 29">
+            <a:extLst>
+              <a:ext uri="{FF2B5EF4-FFF2-40B4-BE49-F238E27FC236}">
+                <a16:creationId xmlns:a16="http://schemas.microsoft.com/office/drawing/2014/main" id="{16EFE474-4FE0-4E8F-8F09-5ED2C9E76A84}"/>
+              </a:ext>
+              <a:ext uri="{C183D7F6-B498-43B3-948B-1728B52AA6E4}">
+                <adec:decorative xmlns:adec="http://schemas.microsoft.com/office/drawing/2017/decorative" val="1"/>
+              </a:ext>
+            </a:extLst>
+          </p:cNvPr>
+          <p:cNvPicPr>
+            <a:picLocks noGrp="1" noRot="1" noChangeAspect="1" noMove="1" noResize="1" noEditPoints="1" noAdjustHandles="1" noChangeArrowheads="1" noChangeShapeType="1" noCrop="1"/>
+          </p:cNvPicPr>
+          <p:nvPr>
+            <p:extLst>
+              <p:ext uri="{386F3935-93C4-4BCD-93E2-E3B085C9AB24}">
+                <p16:designElem xmlns:p16="http://schemas.microsoft.com/office/powerpoint/2015/main" val="1"/>
+              </p:ext>
+            </p:extLst>
+          </p:nvPr>
+        </p:nvPicPr>
+        <p:blipFill rotWithShape="1">
+          <a:blip r:embed="rId2">
+            <a:extLst>
+              <a:ext uri="{28A0092B-C50C-407E-A947-70E740481C1C}">
+                <a14:useLocalDpi xmlns:a14="http://schemas.microsoft.com/office/drawing/2010/main" val="0"/>
+              </a:ext>
+            </a:extLst>
+          </a:blip>
+          <a:srcRect t="1538" b="-1538"/>
+          <a:stretch/>
+        </p:blipFill>
+        <p:spPr bwMode="black">
+          <a:xfrm>
+            <a:off x="0" y="6126480"/>
+            <a:ext cx="9144000" cy="742950"/>
+          </a:xfrm>
+          <a:prstGeom prst="rect">
+            <a:avLst/>
+          </a:prstGeom>
+        </p:spPr>
+      </p:pic>
+      <p:cxnSp>
+        <p:nvCxnSpPr>
+          <p:cNvPr id="32" name="Straight Connector 31">
+            <a:extLst>
+              <a:ext uri="{FF2B5EF4-FFF2-40B4-BE49-F238E27FC236}">
+                <a16:creationId xmlns:a16="http://schemas.microsoft.com/office/drawing/2014/main" id="{CF8B8C81-54DC-4AF5-B682-3A2C70A6B55C}"/>
+              </a:ext>
+              <a:ext uri="{C183D7F6-B498-43B3-948B-1728B52AA6E4}">
+                <adec:decorative xmlns:adec="http://schemas.microsoft.com/office/drawing/2017/decorative" val="1"/>
+              </a:ext>
+            </a:extLst>
+          </p:cNvPr>
+          <p:cNvCxnSpPr>
+            <a:cxnSpLocks noGrp="1" noRot="1" noChangeAspect="1" noMove="1" noResize="1" noEditPoints="1" noAdjustHandles="1" noChangeArrowheads="1" noChangeShapeType="1"/>
+          </p:cNvCxnSpPr>
+          <p:nvPr>
+            <p:extLst>
+              <p:ext uri="{386F3935-93C4-4BCD-93E2-E3B085C9AB24}">
+                <p16:designElem xmlns:p16="http://schemas.microsoft.com/office/powerpoint/2015/main" val="1"/>
+              </p:ext>
+            </p:extLst>
+          </p:nvPr>
+        </p:nvCxnSpPr>
+        <p:spPr>
+          <a:xfrm>
+            <a:off x="0" y="6128413"/>
+            <a:ext cx="9144000" cy="0"/>
+          </a:xfrm>
+          <a:prstGeom prst="line">
+            <a:avLst/>
+          </a:prstGeom>
+          <a:ln w="12700">
+            <a:solidFill>
+              <a:srgbClr val="000001">
+                <a:alpha val="20000"/>
+              </a:srgbClr>
+            </a:solidFill>
+          </a:ln>
+        </p:spPr>
+        <p:style>
+          <a:lnRef idx="1">
+            <a:schemeClr val="accent1"/>
+          </a:lnRef>
+          <a:fillRef idx="0">
+            <a:schemeClr val="accent1"/>
+          </a:fillRef>
+          <a:effectRef idx="0">
+            <a:schemeClr val="accent1"/>
+          </a:effectRef>
+          <a:fontRef idx="minor">
+            <a:schemeClr val="tx1"/>
+          </a:fontRef>
+        </p:style>
+      </p:cxnSp>
     </p:spTree>
+    <p:extLst>
+      <p:ext uri="{BB962C8B-B14F-4D97-AF65-F5344CB8AC3E}">
+        <p14:creationId xmlns:p14="http://schemas.microsoft.com/office/powerpoint/2010/main" val="2125753845"/>
+      </p:ext>
+    </p:extLst>
   </p:cSld>
   <p:clrMapOvr>
     <a:masterClrMapping/>
@@ -4406,47 +5272,61 @@
         </p:nvSpPr>
         <p:spPr/>
         <p:txBody>
-          <a:bodyPr/>
-          <a:lstStyle/>
-          <a:p>
-            <a:r>
-              <a:t>Data Analysis &amp; Results</a:t>
-            </a:r>
-          </a:p>
-        </p:txBody>
-      </p:sp>
-      <p:sp>
-        <p:nvSpPr>
-          <p:cNvPr id="3" name="Content Placeholder 2"/>
-          <p:cNvSpPr>
-            <a:spLocks noGrp="1"/>
-          </p:cNvSpPr>
-          <p:nvPr>
-            <p:ph idx="1"/>
-          </p:nvPr>
-        </p:nvSpPr>
-        <p:spPr/>
-        <p:txBody>
           <a:bodyPr>
             <a:normAutofit/>
           </a:bodyPr>
           <a:lstStyle/>
           <a:p>
             <a:r>
+              <a:t>Experiment Design &amp; Data Collection</a:t>
+            </a:r>
+          </a:p>
+        </p:txBody>
+      </p:sp>
+      <p:sp>
+        <p:nvSpPr>
+          <p:cNvPr id="3" name="Content Placeholder 2"/>
+          <p:cNvSpPr>
+            <a:spLocks noGrp="1"/>
+          </p:cNvSpPr>
+          <p:nvPr>
+            <p:ph idx="1"/>
+          </p:nvPr>
+        </p:nvSpPr>
+        <p:spPr/>
+        <p:txBody>
+          <a:bodyPr>
+            <a:normAutofit/>
+          </a:bodyPr>
+          <a:lstStyle/>
+          <a:p>
+            <a:r>
               <a:rPr sz="2400" dirty="0"/>
-              <a:t>Thematic analysis using two-case model</a:t>
+              <a:t>Participants:</a:t>
             </a:r>
           </a:p>
           <a:p>
             <a:r>
               <a:rPr sz="2400" dirty="0"/>
-              <a:t>Key themes: Usability, Integration, Usefulness, Accuracy</a:t>
+              <a:t>   - Beginner (700 Elo, Chess.com)</a:t>
             </a:r>
           </a:p>
           <a:p>
             <a:r>
               <a:rPr sz="2400" dirty="0"/>
-              <a:t>Advanced player provided richer, critical feedback</a:t>
+              <a:t>   - Advanced (1600 Elo, FIDE Registered)</a:t>
+            </a:r>
+          </a:p>
+          <a:p>
+            <a:r>
+              <a:rPr sz="2400" dirty="0"/>
+              <a:t>Method: Semi-structured interviews</a:t>
+            </a:r>
+          </a:p>
+          <a:p>
+            <a:r>
+              <a:rPr sz="2400" dirty="0"/>
+              <a:t>Ethics: Consent, data protection, anonymization</a:t>
             </a:r>
           </a:p>
         </p:txBody>
@@ -4460,6 +5340,169 @@
 </file>
 
 <file path=ppt/slides/slide5.xml><?xml version="1.0" encoding="utf-8"?>
+<p:sld xmlns:a="http://schemas.openxmlformats.org/drawingml/2006/main" xmlns:r="http://schemas.openxmlformats.org/officeDocument/2006/relationships" xmlns:p="http://schemas.openxmlformats.org/presentationml/2006/main">
+  <p:cSld>
+    <p:bg>
+      <p:bgPr>
+        <a:gradFill rotWithShape="1">
+          <a:gsLst>
+            <a:gs pos="0">
+              <a:schemeClr val="bg2">
+                <a:tint val="94000"/>
+                <a:satMod val="80000"/>
+                <a:lumMod val="106000"/>
+              </a:schemeClr>
+            </a:gs>
+            <a:gs pos="100000">
+              <a:schemeClr val="bg2">
+                <a:shade val="80000"/>
+              </a:schemeClr>
+            </a:gs>
+          </a:gsLst>
+          <a:path path="circle">
+            <a:fillToRect l="43000" r="43000" b="100000"/>
+          </a:path>
+        </a:gradFill>
+        <a:effectLst/>
+      </p:bgPr>
+    </p:bg>
+    <p:spTree>
+      <p:nvGrpSpPr>
+        <p:cNvPr id="1" name=""/>
+        <p:cNvGrpSpPr/>
+        <p:nvPr/>
+      </p:nvGrpSpPr>
+      <p:grpSpPr>
+        <a:xfrm>
+          <a:off x="0" y="0"/>
+          <a:ext cx="0" cy="0"/>
+          <a:chOff x="0" y="0"/>
+          <a:chExt cx="0" cy="0"/>
+        </a:xfrm>
+      </p:grpSpPr>
+      <p:sp>
+        <p:nvSpPr>
+          <p:cNvPr id="2" name="Title 1"/>
+          <p:cNvSpPr>
+            <a:spLocks noGrp="1"/>
+          </p:cNvSpPr>
+          <p:nvPr>
+            <p:ph type="title"/>
+          </p:nvPr>
+        </p:nvSpPr>
+        <p:spPr>
+          <a:xfrm>
+            <a:off x="1088684" y="804519"/>
+            <a:ext cx="7202456" cy="1049235"/>
+          </a:xfrm>
+        </p:spPr>
+        <p:txBody>
+          <a:bodyPr>
+            <a:normAutofit/>
+          </a:bodyPr>
+          <a:lstStyle/>
+          <a:p>
+            <a:r>
+              <a:t>Data Analysis &amp; Results</a:t>
+            </a:r>
+          </a:p>
+        </p:txBody>
+      </p:sp>
+      <p:pic>
+        <p:nvPicPr>
+          <p:cNvPr id="5" name="Picture 4" descr="A screenshot of a graph&#10;&#10;AI-generated content may be incorrect.">
+            <a:extLst>
+              <a:ext uri="{FF2B5EF4-FFF2-40B4-BE49-F238E27FC236}">
+                <a16:creationId xmlns:a16="http://schemas.microsoft.com/office/drawing/2014/main" id="{81FB3156-21A0-4661-E444-84991384D93B}"/>
+              </a:ext>
+            </a:extLst>
+          </p:cNvPr>
+          <p:cNvPicPr>
+            <a:picLocks noChangeAspect="1"/>
+          </p:cNvPicPr>
+          <p:nvPr/>
+        </p:nvPicPr>
+        <p:blipFill>
+          <a:blip r:embed="rId2"/>
+          <a:stretch>
+            <a:fillRect/>
+          </a:stretch>
+        </p:blipFill>
+        <p:spPr>
+          <a:xfrm>
+            <a:off x="1088684" y="2714606"/>
+            <a:ext cx="3720332" cy="2052868"/>
+          </a:xfrm>
+          <a:prstGeom prst="rect">
+            <a:avLst/>
+          </a:prstGeom>
+        </p:spPr>
+      </p:pic>
+      <p:sp>
+        <p:nvSpPr>
+          <p:cNvPr id="3" name="Content Placeholder 2"/>
+          <p:cNvSpPr>
+            <a:spLocks noGrp="1"/>
+          </p:cNvSpPr>
+          <p:nvPr>
+            <p:ph idx="1"/>
+          </p:nvPr>
+        </p:nvSpPr>
+        <p:spPr>
+          <a:xfrm>
+            <a:off x="5169224" y="2015734"/>
+            <a:ext cx="3121916" cy="3450613"/>
+          </a:xfrm>
+        </p:spPr>
+        <p:txBody>
+          <a:bodyPr>
+            <a:normAutofit/>
+          </a:bodyPr>
+          <a:lstStyle/>
+          <a:p>
+            <a:pPr>
+              <a:lnSpc>
+                <a:spcPct val="110000"/>
+              </a:lnSpc>
+            </a:pPr>
+            <a:r>
+              <a:rPr lang="en-US"/>
+              <a:t>Thematic analysis using two-case model on MAXQDA</a:t>
+            </a:r>
+          </a:p>
+          <a:p>
+            <a:pPr>
+              <a:lnSpc>
+                <a:spcPct val="110000"/>
+              </a:lnSpc>
+            </a:pPr>
+            <a:r>
+              <a:rPr lang="en-US"/>
+              <a:t>Key themes: Usability, Integration, Usefulness, Accuracy</a:t>
+            </a:r>
+          </a:p>
+          <a:p>
+            <a:pPr>
+              <a:lnSpc>
+                <a:spcPct val="110000"/>
+              </a:lnSpc>
+            </a:pPr>
+            <a:r>
+              <a:rPr lang="en-US"/>
+              <a:t>Advanced player interview provided richer, critical feedback</a:t>
+            </a:r>
+          </a:p>
+        </p:txBody>
+      </p:sp>
+    </p:spTree>
+  </p:cSld>
+  <p:clrMapOvr>
+    <a:masterClrMapping/>
+  </p:clrMapOvr>
+</p:sld>
+</file>
+
+<file path=ppt/slides/slide6.xml><?xml version="1.0" encoding="utf-8"?>
 <p:sld xmlns:a="http://schemas.openxmlformats.org/drawingml/2006/main" xmlns:r="http://schemas.openxmlformats.org/officeDocument/2006/relationships" xmlns:p="http://schemas.openxmlformats.org/presentationml/2006/main">
   <p:cSld>
     <p:spTree>
@@ -4515,26 +5558,88 @@
           <a:lstStyle/>
           <a:p>
             <a:r>
-              <a:rPr sz="2400" dirty="0"/>
-              <a:t>H1 &amp; H2 supported by interview data</a:t>
-            </a:r>
-          </a:p>
-          <a:p>
-            <a:r>
-              <a:rPr sz="2400" dirty="0"/>
-              <a:t>H3 not confirmed – no prototype to test accuracy emphasis</a:t>
-            </a:r>
-          </a:p>
-          <a:p>
-            <a:r>
-              <a:rPr sz="2400" dirty="0"/>
-              <a:t>Advanced feedback hints at accuracy focus</a:t>
-            </a:r>
-          </a:p>
-          <a:p>
-            <a:r>
-              <a:rPr sz="2400" dirty="0"/>
-              <a:t>Interpretivist lens validated insights</a:t>
+              <a:rPr lang="en-US" dirty="0"/>
+              <a:t>Both players perceived the tool to be easy to use</a:t>
+            </a:r>
+            <a:endParaRPr dirty="0"/>
+          </a:p>
+          <a:p>
+            <a:r>
+              <a:rPr lang="en-US" dirty="0"/>
+              <a:t>Both players considered how to integrate the tool into their own regime</a:t>
+            </a:r>
+            <a:endParaRPr dirty="0"/>
+          </a:p>
+          <a:p>
+            <a:r>
+              <a:rPr lang="en-US" dirty="0"/>
+              <a:t>Accuracy could not be directly addressed due to lack of working prototype.</a:t>
+            </a:r>
+          </a:p>
+          <a:p>
+            <a:r>
+              <a:rPr lang="en-US" dirty="0"/>
+              <a:t>Both players </a:t>
+            </a:r>
+            <a:r>
+              <a:rPr lang="en-US"/>
+              <a:t>considered the adoption </a:t>
+            </a:r>
+            <a:r>
+              <a:rPr lang="en-US" dirty="0"/>
+              <a:t>of the tool due to it’s easy to use and integrate nature.</a:t>
+            </a:r>
+            <a:endParaRPr dirty="0"/>
+          </a:p>
+        </p:txBody>
+      </p:sp>
+      <p:sp>
+        <p:nvSpPr>
+          <p:cNvPr id="5" name="TextBox 4">
+            <a:extLst>
+              <a:ext uri="{FF2B5EF4-FFF2-40B4-BE49-F238E27FC236}">
+                <a16:creationId xmlns:a16="http://schemas.microsoft.com/office/drawing/2014/main" id="{825238F8-9E4F-4090-0F4F-9B1845FFCCD0}"/>
+              </a:ext>
+            </a:extLst>
+          </p:cNvPr>
+          <p:cNvSpPr txBox="1"/>
+          <p:nvPr/>
+        </p:nvSpPr>
+        <p:spPr>
+          <a:xfrm>
+            <a:off x="2517457" y="5216191"/>
+            <a:ext cx="4423410" cy="824265"/>
+          </a:xfrm>
+          <a:prstGeom prst="rect">
+            <a:avLst/>
+          </a:prstGeom>
+          <a:noFill/>
+        </p:spPr>
+        <p:txBody>
+          <a:bodyPr wrap="square">
+            <a:spAutoFit/>
+          </a:bodyPr>
+          <a:lstStyle/>
+          <a:p>
+            <a:pPr>
+              <a:lnSpc>
+                <a:spcPct val="110000"/>
+              </a:lnSpc>
+            </a:pPr>
+            <a:r>
+              <a:rPr lang="en-US" sz="1100" dirty="0"/>
+              <a:t>Hypothesis:</a:t>
+            </a:r>
+          </a:p>
+          <a:p>
+            <a:pPr lvl="1">
+              <a:lnSpc>
+                <a:spcPct val="110000"/>
+              </a:lnSpc>
+            </a:pPr>
+            <a:r>
+              <a:rPr lang="en-US" sz="1100" dirty="0"/>
+              <a:t>How do players of varying experience levels perceive the ease of use, accuracy, and training integration of the tool, and how do these perceptions influence their intention to adopt it?</a:t>
             </a:r>
           </a:p>
         </p:txBody>
@@ -4547,7 +5652,117 @@
 </p:sld>
 </file>
 
-<file path=ppt/slides/slide6.xml><?xml version="1.0" encoding="utf-8"?>
+<file path=ppt/slides/slide7.xml><?xml version="1.0" encoding="utf-8"?>
+<p:sld xmlns:a="http://schemas.openxmlformats.org/drawingml/2006/main" xmlns:r="http://schemas.openxmlformats.org/officeDocument/2006/relationships" xmlns:p="http://schemas.openxmlformats.org/presentationml/2006/main">
+  <p:cSld>
+    <p:spTree>
+      <p:nvGrpSpPr>
+        <p:cNvPr id="1" name=""/>
+        <p:cNvGrpSpPr/>
+        <p:nvPr/>
+      </p:nvGrpSpPr>
+      <p:grpSpPr>
+        <a:xfrm>
+          <a:off x="0" y="0"/>
+          <a:ext cx="0" cy="0"/>
+          <a:chOff x="0" y="0"/>
+          <a:chExt cx="0" cy="0"/>
+        </a:xfrm>
+      </p:grpSpPr>
+      <p:sp>
+        <p:nvSpPr>
+          <p:cNvPr id="2" name="Title 1">
+            <a:extLst>
+              <a:ext uri="{FF2B5EF4-FFF2-40B4-BE49-F238E27FC236}">
+                <a16:creationId xmlns:a16="http://schemas.microsoft.com/office/drawing/2014/main" id="{B9FED4DC-1DCB-0A6A-D799-FFE46EC35323}"/>
+              </a:ext>
+            </a:extLst>
+          </p:cNvPr>
+          <p:cNvSpPr>
+            <a:spLocks noGrp="1"/>
+          </p:cNvSpPr>
+          <p:nvPr>
+            <p:ph type="title"/>
+          </p:nvPr>
+        </p:nvSpPr>
+        <p:spPr/>
+        <p:txBody>
+          <a:bodyPr/>
+          <a:lstStyle/>
+          <a:p>
+            <a:r>
+              <a:rPr lang="en-US" dirty="0"/>
+              <a:t>INTERESTING DESIGN FEEDBACK</a:t>
+            </a:r>
+            <a:endParaRPr lang="en-150" dirty="0"/>
+          </a:p>
+        </p:txBody>
+      </p:sp>
+      <p:sp>
+        <p:nvSpPr>
+          <p:cNvPr id="3" name="Content Placeholder 2">
+            <a:extLst>
+              <a:ext uri="{FF2B5EF4-FFF2-40B4-BE49-F238E27FC236}">
+                <a16:creationId xmlns:a16="http://schemas.microsoft.com/office/drawing/2014/main" id="{AAD376FA-B0FC-4C20-476A-4D1C19F1B12F}"/>
+              </a:ext>
+            </a:extLst>
+          </p:cNvPr>
+          <p:cNvSpPr>
+            <a:spLocks noGrp="1"/>
+          </p:cNvSpPr>
+          <p:nvPr>
+            <p:ph idx="1"/>
+          </p:nvPr>
+        </p:nvSpPr>
+        <p:spPr/>
+        <p:txBody>
+          <a:bodyPr>
+            <a:normAutofit/>
+          </a:bodyPr>
+          <a:lstStyle/>
+          <a:p>
+            <a:r>
+              <a:rPr lang="en-US" sz="2400" dirty="0"/>
+              <a:t>Support for people with disabilities (Text-to-speech, Voice Recognition and Traversing)</a:t>
+            </a:r>
+          </a:p>
+          <a:p>
+            <a:r>
+              <a:rPr lang="en-US" sz="2400" dirty="0"/>
+              <a:t>Human vs Computer Mode</a:t>
+            </a:r>
+          </a:p>
+          <a:p>
+            <a:r>
+              <a:rPr lang="en-US" sz="2400" dirty="0"/>
+              <a:t>Treating the tool as a product, inclusion of a physical tri-pod with the product to help set up the required </a:t>
+            </a:r>
+            <a:r>
+              <a:rPr lang="en-US" sz="2400"/>
+              <a:t>camera angle easier</a:t>
+            </a:r>
+            <a:r>
+              <a:rPr lang="en-US" sz="2400" dirty="0"/>
+              <a:t>.</a:t>
+            </a:r>
+            <a:endParaRPr lang="en-150" sz="2400" dirty="0"/>
+          </a:p>
+        </p:txBody>
+      </p:sp>
+    </p:spTree>
+    <p:extLst>
+      <p:ext uri="{BB962C8B-B14F-4D97-AF65-F5344CB8AC3E}">
+        <p14:creationId xmlns:p14="http://schemas.microsoft.com/office/powerpoint/2010/main" val="3655354559"/>
+      </p:ext>
+    </p:extLst>
+  </p:cSld>
+  <p:clrMapOvr>
+    <a:masterClrMapping/>
+  </p:clrMapOvr>
+</p:sld>
+</file>
+
+<file path=ppt/slides/slide8.xml><?xml version="1.0" encoding="utf-8"?>
 <p:sld xmlns:a="http://schemas.openxmlformats.org/drawingml/2006/main" xmlns:r="http://schemas.openxmlformats.org/officeDocument/2006/relationships" xmlns:p="http://schemas.openxmlformats.org/presentationml/2006/main">
   <p:cSld>
     <p:bg>
@@ -5006,7 +6221,7 @@
 </p:sld>
 </file>
 
-<file path=ppt/slides/slide7.xml><?xml version="1.0" encoding="utf-8"?>
+<file path=ppt/slides/slide9.xml><?xml version="1.0" encoding="utf-8"?>
 <p:sld xmlns:a="http://schemas.openxmlformats.org/drawingml/2006/main" xmlns:r="http://schemas.openxmlformats.org/officeDocument/2006/relationships" xmlns:p="http://schemas.openxmlformats.org/presentationml/2006/main">
   <p:cSld>
     <p:bg>
